--- a/Abschlusspräsentation-Festiva_final.pptx
+++ b/Abschlusspräsentation-Festiva_final.pptx
@@ -1141,6 +1141,13 @@
         </dgm:presLayoutVars>
       </dgm:prSet>
       <dgm:spPr/>
+      <dgm:t>
+        <a:bodyPr/>
+        <a:lstStyle/>
+        <a:p>
+          <a:endParaRPr lang="de-DE"/>
+        </a:p>
+      </dgm:t>
     </dgm:pt>
     <dgm:pt modelId="{9055AC92-AB81-4ACA-8ABC-50B3F863DFB3}" type="pres">
       <dgm:prSet presAssocID="{F4990926-4545-4652-9821-B3E9335821DD}" presName="Name1" presStyleCnt="0"/>
@@ -1157,6 +1164,13 @@
     <dgm:pt modelId="{08338200-011D-419C-8D6C-DB93198330EB}" type="pres">
       <dgm:prSet presAssocID="{F4990926-4545-4652-9821-B3E9335821DD}" presName="conn" presStyleLbl="parChTrans1D2" presStyleIdx="0" presStyleCnt="1"/>
       <dgm:spPr/>
+      <dgm:t>
+        <a:bodyPr/>
+        <a:lstStyle/>
+        <a:p>
+          <a:endParaRPr lang="de-DE"/>
+        </a:p>
+      </dgm:t>
     </dgm:pt>
     <dgm:pt modelId="{CBAC0F48-23E1-455F-8346-82F50862B0AF}" type="pres">
       <dgm:prSet presAssocID="{F4990926-4545-4652-9821-B3E9335821DD}" presName="extraNode" presStyleLbl="node1" presStyleIdx="0" presStyleCnt="5"/>
@@ -1173,6 +1187,13 @@
         </dgm:presLayoutVars>
       </dgm:prSet>
       <dgm:spPr/>
+      <dgm:t>
+        <a:bodyPr/>
+        <a:lstStyle/>
+        <a:p>
+          <a:endParaRPr lang="de-DE"/>
+        </a:p>
+      </dgm:t>
     </dgm:pt>
     <dgm:pt modelId="{8977C4FF-AE82-4B71-8DF1-382BD931CA11}" type="pres">
       <dgm:prSet presAssocID="{1EF54ED1-D960-47E6-B715-96AC945ADAD8}" presName="accent_1" presStyleCnt="0"/>
@@ -1202,6 +1223,13 @@
         </dgm:presLayoutVars>
       </dgm:prSet>
       <dgm:spPr/>
+      <dgm:t>
+        <a:bodyPr/>
+        <a:lstStyle/>
+        <a:p>
+          <a:endParaRPr lang="de-DE"/>
+        </a:p>
+      </dgm:t>
     </dgm:pt>
     <dgm:pt modelId="{721F9818-AB47-4949-920A-B4609767E8E5}" type="pres">
       <dgm:prSet presAssocID="{6190FCA0-BBB1-4B98-A589-2A8622BC17F3}" presName="accent_2" presStyleCnt="0"/>
@@ -1224,6 +1252,13 @@
         </dgm:presLayoutVars>
       </dgm:prSet>
       <dgm:spPr/>
+      <dgm:t>
+        <a:bodyPr/>
+        <a:lstStyle/>
+        <a:p>
+          <a:endParaRPr lang="de-DE"/>
+        </a:p>
+      </dgm:t>
     </dgm:pt>
     <dgm:pt modelId="{395DD5B9-EEDD-4C7E-B5B6-6F89B90B1A49}" type="pres">
       <dgm:prSet presAssocID="{3A84CA82-0B3E-46ED-B10A-555218B09A96}" presName="accent_3" presStyleCnt="0"/>
@@ -1246,6 +1281,13 @@
         </dgm:presLayoutVars>
       </dgm:prSet>
       <dgm:spPr/>
+      <dgm:t>
+        <a:bodyPr/>
+        <a:lstStyle/>
+        <a:p>
+          <a:endParaRPr lang="de-DE"/>
+        </a:p>
+      </dgm:t>
     </dgm:pt>
     <dgm:pt modelId="{B9F7EEB7-50FF-424A-8515-4BA2ECE84741}" type="pres">
       <dgm:prSet presAssocID="{9550E736-1EA7-4B06-A059-CC1D16FEDD6C}" presName="accent_4" presStyleCnt="0"/>
@@ -1268,6 +1310,13 @@
         </dgm:presLayoutVars>
       </dgm:prSet>
       <dgm:spPr/>
+      <dgm:t>
+        <a:bodyPr/>
+        <a:lstStyle/>
+        <a:p>
+          <a:endParaRPr lang="de-DE"/>
+        </a:p>
+      </dgm:t>
     </dgm:pt>
     <dgm:pt modelId="{22DA48AD-EFB4-4775-A96C-5ED29A0BCA90}" type="pres">
       <dgm:prSet presAssocID="{288190EE-4D49-4FC2-AF52-678B03F85511}" presName="accent_5" presStyleCnt="0"/>
@@ -1337,612 +1386,6 @@
       <dsp:cNvGrpSpPr/>
     </dsp:nvGrpSpPr>
     <dsp:grpSpPr/>
-    <dsp:sp modelId="{08338200-011D-419C-8D6C-DB93198330EB}">
-      <dsp:nvSpPr>
-        <dsp:cNvPr id="0" name=""/>
-        <dsp:cNvSpPr/>
-      </dsp:nvSpPr>
-      <dsp:spPr>
-        <a:xfrm>
-          <a:off x="-5440655" y="-833071"/>
-          <a:ext cx="6478183" cy="6478183"/>
-        </a:xfrm>
-        <a:prstGeom prst="blockArc">
-          <a:avLst>
-            <a:gd name="adj1" fmla="val 18900000"/>
-            <a:gd name="adj2" fmla="val 2700000"/>
-            <a:gd name="adj3" fmla="val 333"/>
-          </a:avLst>
-        </a:prstGeom>
-        <a:noFill/>
-        <a:ln w="12700" cap="flat" cmpd="sng" algn="ctr">
-          <a:solidFill>
-            <a:srgbClr val="990000"/>
-          </a:solidFill>
-          <a:prstDash val="solid"/>
-          <a:miter lim="800000"/>
-        </a:ln>
-        <a:effectLst/>
-      </dsp:spPr>
-      <dsp:style>
-        <a:lnRef idx="2">
-          <a:scrgbClr r="0" g="0" b="0"/>
-        </a:lnRef>
-        <a:fillRef idx="0">
-          <a:scrgbClr r="0" g="0" b="0"/>
-        </a:fillRef>
-        <a:effectRef idx="0">
-          <a:scrgbClr r="0" g="0" b="0"/>
-        </a:effectRef>
-        <a:fontRef idx="minor"/>
-      </dsp:style>
-    </dsp:sp>
-    <dsp:sp modelId="{1270E5EF-E671-4474-88BC-042E639AC05F}">
-      <dsp:nvSpPr>
-        <dsp:cNvPr id="0" name=""/>
-        <dsp:cNvSpPr/>
-      </dsp:nvSpPr>
-      <dsp:spPr>
-        <a:xfrm>
-          <a:off x="453661" y="300656"/>
-          <a:ext cx="7607337" cy="601697"/>
-        </a:xfrm>
-        <a:prstGeom prst="rect">
-          <a:avLst/>
-        </a:prstGeom>
-        <a:solidFill>
-          <a:srgbClr val="990000"/>
-        </a:solidFill>
-        <a:ln w="12700" cap="flat" cmpd="sng" algn="ctr">
-          <a:solidFill>
-            <a:srgbClr val="990000"/>
-          </a:solidFill>
-          <a:prstDash val="solid"/>
-          <a:miter lim="800000"/>
-        </a:ln>
-        <a:effectLst/>
-      </dsp:spPr>
-      <dsp:style>
-        <a:lnRef idx="2">
-          <a:scrgbClr r="0" g="0" b="0"/>
-        </a:lnRef>
-        <a:fillRef idx="1">
-          <a:scrgbClr r="0" g="0" b="0"/>
-        </a:fillRef>
-        <a:effectRef idx="0">
-          <a:scrgbClr r="0" g="0" b="0"/>
-        </a:effectRef>
-        <a:fontRef idx="minor">
-          <a:schemeClr val="lt1"/>
-        </a:fontRef>
-      </dsp:style>
-      <dsp:txBody>
-        <a:bodyPr spcFirstLastPara="0" vert="horz" wrap="square" lIns="477597" tIns="78740" rIns="78740" bIns="78740" numCol="1" spcCol="1270" anchor="ctr" anchorCtr="0">
-          <a:noAutofit/>
-        </a:bodyPr>
-        <a:lstStyle/>
-        <a:p>
-          <a:pPr marL="0" lvl="0" indent="0" algn="l" defTabSz="1377950">
-            <a:lnSpc>
-              <a:spcPct val="90000"/>
-            </a:lnSpc>
-            <a:spcBef>
-              <a:spcPct val="0"/>
-            </a:spcBef>
-            <a:spcAft>
-              <a:spcPct val="35000"/>
-            </a:spcAft>
-            <a:buNone/>
-          </a:pPr>
-          <a:r>
-            <a:rPr lang="en-US" sz="3100" kern="1200" dirty="0" err="1"/>
-            <a:t>Technisches</a:t>
-          </a:r>
-          <a:r>
-            <a:rPr lang="en-US" sz="3100" kern="1200" dirty="0"/>
-            <a:t> </a:t>
-          </a:r>
-          <a:r>
-            <a:rPr lang="en-US" sz="3100" kern="1200" dirty="0" err="1"/>
-            <a:t>Konzept</a:t>
-          </a:r>
-          <a:endParaRPr lang="en-US" sz="3100" kern="1200" dirty="0"/>
-        </a:p>
-      </dsp:txBody>
-      <dsp:txXfrm>
-        <a:off x="453661" y="300656"/>
-        <a:ext cx="7607337" cy="601697"/>
-      </dsp:txXfrm>
-    </dsp:sp>
-    <dsp:sp modelId="{F55F62A0-09A4-4F9A-8750-C594FE3EB702}">
-      <dsp:nvSpPr>
-        <dsp:cNvPr id="0" name=""/>
-        <dsp:cNvSpPr/>
-      </dsp:nvSpPr>
-      <dsp:spPr>
-        <a:xfrm>
-          <a:off x="77600" y="225444"/>
-          <a:ext cx="752122" cy="752122"/>
-        </a:xfrm>
-        <a:prstGeom prst="ellipse">
-          <a:avLst/>
-        </a:prstGeom>
-        <a:solidFill>
-          <a:schemeClr val="lt1">
-            <a:hueOff val="0"/>
-            <a:satOff val="0"/>
-            <a:lumOff val="0"/>
-          </a:schemeClr>
-        </a:solidFill>
-        <a:ln w="12700" cap="flat" cmpd="sng" algn="ctr">
-          <a:solidFill>
-            <a:srgbClr val="990000"/>
-          </a:solidFill>
-          <a:prstDash val="solid"/>
-          <a:miter lim="800000"/>
-        </a:ln>
-        <a:effectLst/>
-      </dsp:spPr>
-      <dsp:style>
-        <a:lnRef idx="2">
-          <a:scrgbClr r="0" g="0" b="0"/>
-        </a:lnRef>
-        <a:fillRef idx="1">
-          <a:scrgbClr r="0" g="0" b="0"/>
-        </a:fillRef>
-        <a:effectRef idx="0">
-          <a:scrgbClr r="0" g="0" b="0"/>
-        </a:effectRef>
-        <a:fontRef idx="minor"/>
-      </dsp:style>
-    </dsp:sp>
-    <dsp:sp modelId="{B3942B6B-74BD-4E80-8DEE-0DFEAB6ED8ED}">
-      <dsp:nvSpPr>
-        <dsp:cNvPr id="0" name=""/>
-        <dsp:cNvSpPr/>
-      </dsp:nvSpPr>
-      <dsp:spPr>
-        <a:xfrm>
-          <a:off x="884820" y="1202914"/>
-          <a:ext cx="7176178" cy="601697"/>
-        </a:xfrm>
-        <a:prstGeom prst="rect">
-          <a:avLst/>
-        </a:prstGeom>
-        <a:solidFill>
-          <a:srgbClr val="990000"/>
-        </a:solidFill>
-        <a:ln w="12700" cap="flat" cmpd="sng" algn="ctr">
-          <a:solidFill>
-            <a:srgbClr val="990000"/>
-          </a:solidFill>
-          <a:prstDash val="solid"/>
-          <a:miter lim="800000"/>
-        </a:ln>
-        <a:effectLst/>
-      </dsp:spPr>
-      <dsp:style>
-        <a:lnRef idx="2">
-          <a:scrgbClr r="0" g="0" b="0"/>
-        </a:lnRef>
-        <a:fillRef idx="1">
-          <a:scrgbClr r="0" g="0" b="0"/>
-        </a:fillRef>
-        <a:effectRef idx="0">
-          <a:scrgbClr r="0" g="0" b="0"/>
-        </a:effectRef>
-        <a:fontRef idx="minor">
-          <a:schemeClr val="lt1"/>
-        </a:fontRef>
-      </dsp:style>
-      <dsp:txBody>
-        <a:bodyPr spcFirstLastPara="0" vert="horz" wrap="square" lIns="477597" tIns="78740" rIns="78740" bIns="78740" numCol="1" spcCol="1270" anchor="ctr" anchorCtr="0">
-          <a:noAutofit/>
-        </a:bodyPr>
-        <a:lstStyle/>
-        <a:p>
-          <a:pPr marL="0" lvl="0" indent="0" algn="l" defTabSz="1377950">
-            <a:lnSpc>
-              <a:spcPct val="90000"/>
-            </a:lnSpc>
-            <a:spcBef>
-              <a:spcPct val="0"/>
-            </a:spcBef>
-            <a:spcAft>
-              <a:spcPct val="35000"/>
-            </a:spcAft>
-            <a:buNone/>
-          </a:pPr>
-          <a:r>
-            <a:rPr lang="en-US" sz="3100" kern="1200" dirty="0" err="1"/>
-            <a:t>Projektmanagement</a:t>
-          </a:r>
-          <a:endParaRPr lang="en-US" sz="3100" kern="1200" dirty="0"/>
-        </a:p>
-      </dsp:txBody>
-      <dsp:txXfrm>
-        <a:off x="884820" y="1202914"/>
-        <a:ext cx="7176178" cy="601697"/>
-      </dsp:txXfrm>
-    </dsp:sp>
-    <dsp:sp modelId="{3D02E8AD-3AE8-4507-ADDD-98E715E32797}">
-      <dsp:nvSpPr>
-        <dsp:cNvPr id="0" name=""/>
-        <dsp:cNvSpPr/>
-      </dsp:nvSpPr>
-      <dsp:spPr>
-        <a:xfrm>
-          <a:off x="508759" y="1127701"/>
-          <a:ext cx="752122" cy="752122"/>
-        </a:xfrm>
-        <a:prstGeom prst="ellipse">
-          <a:avLst/>
-        </a:prstGeom>
-        <a:solidFill>
-          <a:schemeClr val="lt1">
-            <a:hueOff val="0"/>
-            <a:satOff val="0"/>
-            <a:lumOff val="0"/>
-            <a:alphaOff val="0"/>
-          </a:schemeClr>
-        </a:solidFill>
-        <a:ln w="12700" cap="flat" cmpd="sng" algn="ctr">
-          <a:solidFill>
-            <a:srgbClr val="990000"/>
-          </a:solidFill>
-          <a:prstDash val="solid"/>
-          <a:miter lim="800000"/>
-        </a:ln>
-        <a:effectLst/>
-      </dsp:spPr>
-      <dsp:style>
-        <a:lnRef idx="2">
-          <a:scrgbClr r="0" g="0" b="0"/>
-        </a:lnRef>
-        <a:fillRef idx="1">
-          <a:scrgbClr r="0" g="0" b="0"/>
-        </a:fillRef>
-        <a:effectRef idx="0">
-          <a:scrgbClr r="0" g="0" b="0"/>
-        </a:effectRef>
-        <a:fontRef idx="minor"/>
-      </dsp:style>
-    </dsp:sp>
-    <dsp:sp modelId="{89906392-974E-4299-A4FF-B570A1175F16}">
-      <dsp:nvSpPr>
-        <dsp:cNvPr id="0" name=""/>
-        <dsp:cNvSpPr/>
-      </dsp:nvSpPr>
-      <dsp:spPr>
-        <a:xfrm>
-          <a:off x="1017151" y="2105171"/>
-          <a:ext cx="7043847" cy="601697"/>
-        </a:xfrm>
-        <a:prstGeom prst="rect">
-          <a:avLst/>
-        </a:prstGeom>
-        <a:solidFill>
-          <a:srgbClr val="990000"/>
-        </a:solidFill>
-        <a:ln w="12700" cap="flat" cmpd="sng" algn="ctr">
-          <a:solidFill>
-            <a:srgbClr val="990000"/>
-          </a:solidFill>
-          <a:prstDash val="solid"/>
-          <a:miter lim="800000"/>
-        </a:ln>
-        <a:effectLst/>
-      </dsp:spPr>
-      <dsp:style>
-        <a:lnRef idx="2">
-          <a:scrgbClr r="0" g="0" b="0"/>
-        </a:lnRef>
-        <a:fillRef idx="1">
-          <a:scrgbClr r="0" g="0" b="0"/>
-        </a:fillRef>
-        <a:effectRef idx="0">
-          <a:scrgbClr r="0" g="0" b="0"/>
-        </a:effectRef>
-        <a:fontRef idx="minor">
-          <a:schemeClr val="lt1"/>
-        </a:fontRef>
-      </dsp:style>
-      <dsp:txBody>
-        <a:bodyPr spcFirstLastPara="0" vert="horz" wrap="square" lIns="477597" tIns="78740" rIns="78740" bIns="78740" numCol="1" spcCol="1270" anchor="ctr" anchorCtr="0">
-          <a:noAutofit/>
-        </a:bodyPr>
-        <a:lstStyle/>
-        <a:p>
-          <a:pPr marL="0" lvl="0" indent="0" algn="l" defTabSz="1377950">
-            <a:lnSpc>
-              <a:spcPct val="90000"/>
-            </a:lnSpc>
-            <a:spcBef>
-              <a:spcPct val="0"/>
-            </a:spcBef>
-            <a:spcAft>
-              <a:spcPct val="35000"/>
-            </a:spcAft>
-            <a:buNone/>
-          </a:pPr>
-          <a:r>
-            <a:rPr lang="en-US" sz="3100" kern="1200" dirty="0" err="1"/>
-            <a:t>Funktionen</a:t>
-          </a:r>
-          <a:endParaRPr lang="en-US" sz="3100" kern="1200" dirty="0"/>
-        </a:p>
-      </dsp:txBody>
-      <dsp:txXfrm>
-        <a:off x="1017151" y="2105171"/>
-        <a:ext cx="7043847" cy="601697"/>
-      </dsp:txXfrm>
-    </dsp:sp>
-    <dsp:sp modelId="{4ABF1DA8-A670-410F-9BF1-BD6AC56C9106}">
-      <dsp:nvSpPr>
-        <dsp:cNvPr id="0" name=""/>
-        <dsp:cNvSpPr/>
-      </dsp:nvSpPr>
-      <dsp:spPr>
-        <a:xfrm>
-          <a:off x="641090" y="2029959"/>
-          <a:ext cx="752122" cy="752122"/>
-        </a:xfrm>
-        <a:prstGeom prst="ellipse">
-          <a:avLst/>
-        </a:prstGeom>
-        <a:solidFill>
-          <a:schemeClr val="lt1">
-            <a:hueOff val="0"/>
-            <a:satOff val="0"/>
-            <a:lumOff val="0"/>
-            <a:alphaOff val="0"/>
-          </a:schemeClr>
-        </a:solidFill>
-        <a:ln w="12700" cap="flat" cmpd="sng" algn="ctr">
-          <a:solidFill>
-            <a:srgbClr val="990000"/>
-          </a:solidFill>
-          <a:prstDash val="solid"/>
-          <a:miter lim="800000"/>
-        </a:ln>
-        <a:effectLst/>
-      </dsp:spPr>
-      <dsp:style>
-        <a:lnRef idx="2">
-          <a:scrgbClr r="0" g="0" b="0"/>
-        </a:lnRef>
-        <a:fillRef idx="1">
-          <a:scrgbClr r="0" g="0" b="0"/>
-        </a:fillRef>
-        <a:effectRef idx="0">
-          <a:scrgbClr r="0" g="0" b="0"/>
-        </a:effectRef>
-        <a:fontRef idx="minor"/>
-      </dsp:style>
-    </dsp:sp>
-    <dsp:sp modelId="{6AD977A6-66BC-4167-A29D-96F0AF8FBEA7}">
-      <dsp:nvSpPr>
-        <dsp:cNvPr id="0" name=""/>
-        <dsp:cNvSpPr/>
-      </dsp:nvSpPr>
-      <dsp:spPr>
-        <a:xfrm>
-          <a:off x="884820" y="3007429"/>
-          <a:ext cx="7176178" cy="601697"/>
-        </a:xfrm>
-        <a:prstGeom prst="rect">
-          <a:avLst/>
-        </a:prstGeom>
-        <a:solidFill>
-          <a:srgbClr val="990000"/>
-        </a:solidFill>
-        <a:ln w="12700" cap="flat" cmpd="sng" algn="ctr">
-          <a:solidFill>
-            <a:srgbClr val="990000"/>
-          </a:solidFill>
-          <a:prstDash val="solid"/>
-          <a:miter lim="800000"/>
-        </a:ln>
-        <a:effectLst/>
-      </dsp:spPr>
-      <dsp:style>
-        <a:lnRef idx="2">
-          <a:scrgbClr r="0" g="0" b="0"/>
-        </a:lnRef>
-        <a:fillRef idx="1">
-          <a:scrgbClr r="0" g="0" b="0"/>
-        </a:fillRef>
-        <a:effectRef idx="0">
-          <a:scrgbClr r="0" g="0" b="0"/>
-        </a:effectRef>
-        <a:fontRef idx="minor">
-          <a:schemeClr val="lt1"/>
-        </a:fontRef>
-      </dsp:style>
-      <dsp:txBody>
-        <a:bodyPr spcFirstLastPara="0" vert="horz" wrap="square" lIns="477597" tIns="78740" rIns="78740" bIns="78740" numCol="1" spcCol="1270" anchor="ctr" anchorCtr="0">
-          <a:noAutofit/>
-        </a:bodyPr>
-        <a:lstStyle/>
-        <a:p>
-          <a:pPr marL="0" lvl="0" indent="0" algn="l" defTabSz="1377950">
-            <a:lnSpc>
-              <a:spcPct val="90000"/>
-            </a:lnSpc>
-            <a:spcBef>
-              <a:spcPct val="0"/>
-            </a:spcBef>
-            <a:spcAft>
-              <a:spcPct val="35000"/>
-            </a:spcAft>
-            <a:buNone/>
-          </a:pPr>
-          <a:r>
-            <a:rPr lang="en-US" sz="3100" kern="1200" dirty="0"/>
-            <a:t>Live Demo</a:t>
-          </a:r>
-        </a:p>
-      </dsp:txBody>
-      <dsp:txXfrm>
-        <a:off x="884820" y="3007429"/>
-        <a:ext cx="7176178" cy="601697"/>
-      </dsp:txXfrm>
-    </dsp:sp>
-    <dsp:sp modelId="{9F2C8A85-B8D9-4165-8F98-CF40AE5908B8}">
-      <dsp:nvSpPr>
-        <dsp:cNvPr id="0" name=""/>
-        <dsp:cNvSpPr/>
-      </dsp:nvSpPr>
-      <dsp:spPr>
-        <a:xfrm>
-          <a:off x="508759" y="2932217"/>
-          <a:ext cx="752122" cy="752122"/>
-        </a:xfrm>
-        <a:prstGeom prst="ellipse">
-          <a:avLst/>
-        </a:prstGeom>
-        <a:solidFill>
-          <a:schemeClr val="lt1">
-            <a:hueOff val="0"/>
-            <a:satOff val="0"/>
-            <a:lumOff val="0"/>
-            <a:alphaOff val="0"/>
-          </a:schemeClr>
-        </a:solidFill>
-        <a:ln w="12700" cap="flat" cmpd="sng" algn="ctr">
-          <a:solidFill>
-            <a:srgbClr val="990000"/>
-          </a:solidFill>
-          <a:prstDash val="solid"/>
-          <a:miter lim="800000"/>
-        </a:ln>
-        <a:effectLst/>
-      </dsp:spPr>
-      <dsp:style>
-        <a:lnRef idx="2">
-          <a:scrgbClr r="0" g="0" b="0"/>
-        </a:lnRef>
-        <a:fillRef idx="1">
-          <a:scrgbClr r="0" g="0" b="0"/>
-        </a:fillRef>
-        <a:effectRef idx="0">
-          <a:scrgbClr r="0" g="0" b="0"/>
-        </a:effectRef>
-        <a:fontRef idx="minor"/>
-      </dsp:style>
-    </dsp:sp>
-    <dsp:sp modelId="{E0DDF579-4168-429F-A041-526B06B4E9F3}">
-      <dsp:nvSpPr>
-        <dsp:cNvPr id="0" name=""/>
-        <dsp:cNvSpPr/>
-      </dsp:nvSpPr>
-      <dsp:spPr>
-        <a:xfrm>
-          <a:off x="453661" y="3909687"/>
-          <a:ext cx="7607337" cy="601697"/>
-        </a:xfrm>
-        <a:prstGeom prst="rect">
-          <a:avLst/>
-        </a:prstGeom>
-        <a:solidFill>
-          <a:srgbClr val="990000"/>
-        </a:solidFill>
-        <a:ln w="12700" cap="flat" cmpd="sng" algn="ctr">
-          <a:solidFill>
-            <a:srgbClr val="990000"/>
-          </a:solidFill>
-          <a:prstDash val="solid"/>
-          <a:miter lim="800000"/>
-        </a:ln>
-        <a:effectLst/>
-      </dsp:spPr>
-      <dsp:style>
-        <a:lnRef idx="2">
-          <a:scrgbClr r="0" g="0" b="0"/>
-        </a:lnRef>
-        <a:fillRef idx="1">
-          <a:scrgbClr r="0" g="0" b="0"/>
-        </a:fillRef>
-        <a:effectRef idx="0">
-          <a:scrgbClr r="0" g="0" b="0"/>
-        </a:effectRef>
-        <a:fontRef idx="minor">
-          <a:schemeClr val="lt1"/>
-        </a:fontRef>
-      </dsp:style>
-      <dsp:txBody>
-        <a:bodyPr spcFirstLastPara="0" vert="horz" wrap="square" lIns="477597" tIns="78740" rIns="78740" bIns="78740" numCol="1" spcCol="1270" anchor="ctr" anchorCtr="0">
-          <a:noAutofit/>
-        </a:bodyPr>
-        <a:lstStyle/>
-        <a:p>
-          <a:pPr marL="0" lvl="0" indent="0" algn="l" defTabSz="1377950">
-            <a:lnSpc>
-              <a:spcPct val="90000"/>
-            </a:lnSpc>
-            <a:spcBef>
-              <a:spcPct val="0"/>
-            </a:spcBef>
-            <a:spcAft>
-              <a:spcPct val="35000"/>
-            </a:spcAft>
-            <a:buNone/>
-          </a:pPr>
-          <a:r>
-            <a:rPr lang="en-US" sz="3100" kern="1200" dirty="0" err="1"/>
-            <a:t>Fazit</a:t>
-          </a:r>
-          <a:endParaRPr lang="en-US" sz="3100" kern="1200" dirty="0"/>
-        </a:p>
-      </dsp:txBody>
-      <dsp:txXfrm>
-        <a:off x="453661" y="3909687"/>
-        <a:ext cx="7607337" cy="601697"/>
-      </dsp:txXfrm>
-    </dsp:sp>
-    <dsp:sp modelId="{A074501F-EF3F-4D9F-9851-CD30D2F28089}">
-      <dsp:nvSpPr>
-        <dsp:cNvPr id="0" name=""/>
-        <dsp:cNvSpPr/>
-      </dsp:nvSpPr>
-      <dsp:spPr>
-        <a:xfrm>
-          <a:off x="77600" y="3834474"/>
-          <a:ext cx="752122" cy="752122"/>
-        </a:xfrm>
-        <a:prstGeom prst="ellipse">
-          <a:avLst/>
-        </a:prstGeom>
-        <a:solidFill>
-          <a:schemeClr val="lt1">
-            <a:hueOff val="0"/>
-            <a:satOff val="0"/>
-            <a:lumOff val="0"/>
-            <a:alphaOff val="0"/>
-          </a:schemeClr>
-        </a:solidFill>
-        <a:ln w="12700" cap="flat" cmpd="sng" algn="ctr">
-          <a:solidFill>
-            <a:srgbClr val="990000"/>
-          </a:solidFill>
-          <a:prstDash val="solid"/>
-          <a:miter lim="800000"/>
-        </a:ln>
-        <a:effectLst/>
-      </dsp:spPr>
-      <dsp:style>
-        <a:lnRef idx="2">
-          <a:scrgbClr r="0" g="0" b="0"/>
-        </a:lnRef>
-        <a:fillRef idx="1">
-          <a:scrgbClr r="0" g="0" b="0"/>
-        </a:fillRef>
-        <a:effectRef idx="0">
-          <a:scrgbClr r="0" g="0" b="0"/>
-        </a:effectRef>
-        <a:fontRef idx="minor"/>
-      </dsp:style>
-    </dsp:sp>
   </dsp:spTree>
 </dsp:drawing>
 </file>
@@ -4341,7 +3784,7 @@
           <a:p>
             <a:fld id="{1261BBFF-9D77-47D6-97C5-45941DD9B00F}" type="datetimeFigureOut">
               <a:rPr lang="en-US" smtClean="0"/>
-              <a:t>11/21/2016</a:t>
+              <a:t>12/5/2016</a:t>
             </a:fld>
             <a:endParaRPr lang="en-US"/>
           </a:p>
@@ -4785,7 +4228,7 @@
                   <a:schemeClr val="tx1"/>
                 </a:solidFill>
               </a:rPr>
-              <a:t>21. November 2016</a:t>
+              <a:t>5. Dezember 2016</a:t>
             </a:fld>
             <a:endParaRPr lang="en-US" dirty="0">
               <a:solidFill>
@@ -6727,28 +6170,28 @@
                 <a:gridCol w="4046276">
                   <a:extLst>
                     <a:ext uri="{9D8B030D-6E8A-4147-A177-3AD203B41FA5}">
-                      <a16:colId xmlns:a16="http://schemas.microsoft.com/office/drawing/2014/main" val="20000"/>
+                      <a16:colId xmlns:a16="http://schemas.microsoft.com/office/drawing/2014/main" xmlns="" val="20000"/>
                     </a:ext>
                   </a:extLst>
                 </a:gridCol>
                 <a:gridCol w="795546">
                   <a:extLst>
                     <a:ext uri="{9D8B030D-6E8A-4147-A177-3AD203B41FA5}">
-                      <a16:colId xmlns:a16="http://schemas.microsoft.com/office/drawing/2014/main" val="20001"/>
+                      <a16:colId xmlns:a16="http://schemas.microsoft.com/office/drawing/2014/main" xmlns="" val="20001"/>
                     </a:ext>
                   </a:extLst>
                 </a:gridCol>
                 <a:gridCol w="731351">
                   <a:extLst>
                     <a:ext uri="{9D8B030D-6E8A-4147-A177-3AD203B41FA5}">
-                      <a16:colId xmlns:a16="http://schemas.microsoft.com/office/drawing/2014/main" val="20002"/>
+                      <a16:colId xmlns:a16="http://schemas.microsoft.com/office/drawing/2014/main" xmlns="" val="20002"/>
                     </a:ext>
                   </a:extLst>
                 </a:gridCol>
                 <a:gridCol w="962536">
                   <a:extLst>
                     <a:ext uri="{9D8B030D-6E8A-4147-A177-3AD203B41FA5}">
-                      <a16:colId xmlns:a16="http://schemas.microsoft.com/office/drawing/2014/main" val="20003"/>
+                      <a16:colId xmlns:a16="http://schemas.microsoft.com/office/drawing/2014/main" xmlns="" val="20003"/>
                     </a:ext>
                   </a:extLst>
                 </a:gridCol>
@@ -6817,7 +6260,7 @@
                 </a:tc>
                 <a:extLst>
                   <a:ext uri="{0D108BD9-81ED-4DB2-BD59-A6C34878D82A}">
-                    <a16:rowId xmlns:a16="http://schemas.microsoft.com/office/drawing/2014/main" val="10000"/>
+                    <a16:rowId xmlns:a16="http://schemas.microsoft.com/office/drawing/2014/main" xmlns="" val="10000"/>
                   </a:ext>
                 </a:extLst>
               </a:tr>
@@ -6879,7 +6322,7 @@
                 </a:tc>
                 <a:extLst>
                   <a:ext uri="{0D108BD9-81ED-4DB2-BD59-A6C34878D82A}">
-                    <a16:rowId xmlns:a16="http://schemas.microsoft.com/office/drawing/2014/main" val="10001"/>
+                    <a16:rowId xmlns:a16="http://schemas.microsoft.com/office/drawing/2014/main" xmlns="" val="10001"/>
                   </a:ext>
                 </a:extLst>
               </a:tr>
@@ -6941,7 +6384,7 @@
                 </a:tc>
                 <a:extLst>
                   <a:ext uri="{0D108BD9-81ED-4DB2-BD59-A6C34878D82A}">
-                    <a16:rowId xmlns:a16="http://schemas.microsoft.com/office/drawing/2014/main" val="10002"/>
+                    <a16:rowId xmlns:a16="http://schemas.microsoft.com/office/drawing/2014/main" xmlns="" val="10002"/>
                   </a:ext>
                 </a:extLst>
               </a:tr>
@@ -7007,7 +6450,7 @@
                 </a:tc>
                 <a:extLst>
                   <a:ext uri="{0D108BD9-81ED-4DB2-BD59-A6C34878D82A}">
-                    <a16:rowId xmlns:a16="http://schemas.microsoft.com/office/drawing/2014/main" val="10003"/>
+                    <a16:rowId xmlns:a16="http://schemas.microsoft.com/office/drawing/2014/main" xmlns="" val="10003"/>
                   </a:ext>
                 </a:extLst>
               </a:tr>
@@ -7073,7 +6516,7 @@
                 </a:tc>
                 <a:extLst>
                   <a:ext uri="{0D108BD9-81ED-4DB2-BD59-A6C34878D82A}">
-                    <a16:rowId xmlns:a16="http://schemas.microsoft.com/office/drawing/2014/main" val="10004"/>
+                    <a16:rowId xmlns:a16="http://schemas.microsoft.com/office/drawing/2014/main" xmlns="" val="10004"/>
                   </a:ext>
                 </a:extLst>
               </a:tr>
@@ -7139,7 +6582,7 @@
                 </a:tc>
                 <a:extLst>
                   <a:ext uri="{0D108BD9-81ED-4DB2-BD59-A6C34878D82A}">
-                    <a16:rowId xmlns:a16="http://schemas.microsoft.com/office/drawing/2014/main" val="10005"/>
+                    <a16:rowId xmlns:a16="http://schemas.microsoft.com/office/drawing/2014/main" xmlns="" val="10005"/>
                   </a:ext>
                 </a:extLst>
               </a:tr>
@@ -7205,7 +6648,7 @@
                 </a:tc>
                 <a:extLst>
                   <a:ext uri="{0D108BD9-81ED-4DB2-BD59-A6C34878D82A}">
-                    <a16:rowId xmlns:a16="http://schemas.microsoft.com/office/drawing/2014/main" val="10006"/>
+                    <a16:rowId xmlns:a16="http://schemas.microsoft.com/office/drawing/2014/main" xmlns="" val="10006"/>
                   </a:ext>
                 </a:extLst>
               </a:tr>
@@ -7271,7 +6714,7 @@
                 </a:tc>
                 <a:extLst>
                   <a:ext uri="{0D108BD9-81ED-4DB2-BD59-A6C34878D82A}">
-                    <a16:rowId xmlns:a16="http://schemas.microsoft.com/office/drawing/2014/main" val="3497736946"/>
+                    <a16:rowId xmlns:a16="http://schemas.microsoft.com/office/drawing/2014/main" xmlns="" val="3497736946"/>
                   </a:ext>
                 </a:extLst>
               </a:tr>
@@ -7343,7 +6786,7 @@
                 </a:tc>
                 <a:extLst>
                   <a:ext uri="{0D108BD9-81ED-4DB2-BD59-A6C34878D82A}">
-                    <a16:rowId xmlns:a16="http://schemas.microsoft.com/office/drawing/2014/main" val="10007"/>
+                    <a16:rowId xmlns:a16="http://schemas.microsoft.com/office/drawing/2014/main" xmlns="" val="10007"/>
                   </a:ext>
                 </a:extLst>
               </a:tr>
@@ -7401,7 +6844,7 @@
                 </a:tc>
                 <a:extLst>
                   <a:ext uri="{0D108BD9-81ED-4DB2-BD59-A6C34878D82A}">
-                    <a16:rowId xmlns:a16="http://schemas.microsoft.com/office/drawing/2014/main" val="10008"/>
+                    <a16:rowId xmlns:a16="http://schemas.microsoft.com/office/drawing/2014/main" xmlns="" val="10008"/>
                   </a:ext>
                 </a:extLst>
               </a:tr>
@@ -7456,7 +6899,7 @@
                 </a:tc>
                 <a:extLst>
                   <a:ext uri="{0D108BD9-81ED-4DB2-BD59-A6C34878D82A}">
-                    <a16:rowId xmlns:a16="http://schemas.microsoft.com/office/drawing/2014/main" val="10009"/>
+                    <a16:rowId xmlns:a16="http://schemas.microsoft.com/office/drawing/2014/main" xmlns="" val="10009"/>
                   </a:ext>
                 </a:extLst>
               </a:tr>
@@ -9296,32 +8739,31 @@
       </p:sp>
       <p:pic>
         <p:nvPicPr>
-          <p:cNvPr id="3" name="Grafik 2"/>
-          <p:cNvPicPr>
-            <a:picLocks noChangeAspect="1"/>
-          </p:cNvPicPr>
+          <p:cNvPr id="9" name="Grafik 8"/>
+          <p:cNvPicPr/>
           <p:nvPr/>
         </p:nvPicPr>
-        <p:blipFill>
-          <a:blip r:embed="rId2">
-            <a:extLst>
-              <a:ext uri="{28A0092B-C50C-407E-A947-70E740481C1C}">
-                <a14:useLocalDpi xmlns:a14="http://schemas.microsoft.com/office/drawing/2010/main" val="0"/>
-              </a:ext>
-            </a:extLst>
-          </a:blip>
-          <a:stretch>
-            <a:fillRect/>
-          </a:stretch>
+        <p:blipFill rotWithShape="1">
+          <a:blip r:embed="rId2"/>
+          <a:srcRect b="4807"/>
+          <a:stretch/>
         </p:blipFill>
-        <p:spPr>
+        <p:spPr bwMode="auto">
           <a:xfrm>
-            <a:off x="2631134" y="1496971"/>
-            <a:ext cx="7532358" cy="4211737"/>
+            <a:off x="2898480" y="1468192"/>
+            <a:ext cx="6284157" cy="4240516"/>
           </a:xfrm>
           <a:prstGeom prst="rect">
             <a:avLst/>
           </a:prstGeom>
+          <a:ln>
+            <a:noFill/>
+          </a:ln>
+          <a:extLst>
+            <a:ext uri="{53640926-AAD7-44D8-BBD7-CCE9431645EC}">
+              <a14:shadowObscured xmlns:a14="http://schemas.microsoft.com/office/drawing/2010/main"/>
+            </a:ext>
+          </a:extLst>
         </p:spPr>
       </p:pic>
     </p:spTree>
@@ -10146,14 +9588,14 @@
                 <a:gridCol w="3417756">
                   <a:extLst>
                     <a:ext uri="{9D8B030D-6E8A-4147-A177-3AD203B41FA5}">
-                      <a16:colId xmlns:a16="http://schemas.microsoft.com/office/drawing/2014/main" val="20000"/>
+                      <a16:colId xmlns:a16="http://schemas.microsoft.com/office/drawing/2014/main" xmlns="" val="20000"/>
                     </a:ext>
                   </a:extLst>
                 </a:gridCol>
                 <a:gridCol w="974361">
                   <a:extLst>
                     <a:ext uri="{9D8B030D-6E8A-4147-A177-3AD203B41FA5}">
-                      <a16:colId xmlns:a16="http://schemas.microsoft.com/office/drawing/2014/main" val="20001"/>
+                      <a16:colId xmlns:a16="http://schemas.microsoft.com/office/drawing/2014/main" xmlns="" val="20001"/>
                     </a:ext>
                   </a:extLst>
                 </a:gridCol>
@@ -10188,7 +9630,7 @@
                 </a:tc>
                 <a:extLst>
                   <a:ext uri="{0D108BD9-81ED-4DB2-BD59-A6C34878D82A}">
-                    <a16:rowId xmlns:a16="http://schemas.microsoft.com/office/drawing/2014/main" val="10000"/>
+                    <a16:rowId xmlns:a16="http://schemas.microsoft.com/office/drawing/2014/main" xmlns="" val="10000"/>
                   </a:ext>
                 </a:extLst>
               </a:tr>
@@ -10222,7 +9664,7 @@
                 </a:tc>
                 <a:extLst>
                   <a:ext uri="{0D108BD9-81ED-4DB2-BD59-A6C34878D82A}">
-                    <a16:rowId xmlns:a16="http://schemas.microsoft.com/office/drawing/2014/main" val="10001"/>
+                    <a16:rowId xmlns:a16="http://schemas.microsoft.com/office/drawing/2014/main" xmlns="" val="10001"/>
                   </a:ext>
                 </a:extLst>
               </a:tr>
@@ -10256,7 +9698,7 @@
                 </a:tc>
                 <a:extLst>
                   <a:ext uri="{0D108BD9-81ED-4DB2-BD59-A6C34878D82A}">
-                    <a16:rowId xmlns:a16="http://schemas.microsoft.com/office/drawing/2014/main" val="10002"/>
+                    <a16:rowId xmlns:a16="http://schemas.microsoft.com/office/drawing/2014/main" xmlns="" val="10002"/>
                   </a:ext>
                 </a:extLst>
               </a:tr>
@@ -10290,7 +9732,7 @@
                 </a:tc>
                 <a:extLst>
                   <a:ext uri="{0D108BD9-81ED-4DB2-BD59-A6C34878D82A}">
-                    <a16:rowId xmlns:a16="http://schemas.microsoft.com/office/drawing/2014/main" val="10003"/>
+                    <a16:rowId xmlns:a16="http://schemas.microsoft.com/office/drawing/2014/main" xmlns="" val="10003"/>
                   </a:ext>
                 </a:extLst>
               </a:tr>
@@ -10324,7 +9766,7 @@
                 </a:tc>
                 <a:extLst>
                   <a:ext uri="{0D108BD9-81ED-4DB2-BD59-A6C34878D82A}">
-                    <a16:rowId xmlns:a16="http://schemas.microsoft.com/office/drawing/2014/main" val="10004"/>
+                    <a16:rowId xmlns:a16="http://schemas.microsoft.com/office/drawing/2014/main" xmlns="" val="10004"/>
                   </a:ext>
                 </a:extLst>
               </a:tr>
@@ -10358,7 +9800,7 @@
                 </a:tc>
                 <a:extLst>
                   <a:ext uri="{0D108BD9-81ED-4DB2-BD59-A6C34878D82A}">
-                    <a16:rowId xmlns:a16="http://schemas.microsoft.com/office/drawing/2014/main" val="10005"/>
+                    <a16:rowId xmlns:a16="http://schemas.microsoft.com/office/drawing/2014/main" xmlns="" val="10005"/>
                   </a:ext>
                 </a:extLst>
               </a:tr>
@@ -10392,7 +9834,7 @@
                 </a:tc>
                 <a:extLst>
                   <a:ext uri="{0D108BD9-81ED-4DB2-BD59-A6C34878D82A}">
-                    <a16:rowId xmlns:a16="http://schemas.microsoft.com/office/drawing/2014/main" val="10006"/>
+                    <a16:rowId xmlns:a16="http://schemas.microsoft.com/office/drawing/2014/main" xmlns="" val="10006"/>
                   </a:ext>
                 </a:extLst>
               </a:tr>
@@ -10436,7 +9878,7 @@
                 </a:tc>
                 <a:extLst>
                   <a:ext uri="{0D108BD9-81ED-4DB2-BD59-A6C34878D82A}">
-                    <a16:rowId xmlns:a16="http://schemas.microsoft.com/office/drawing/2014/main" val="10007"/>
+                    <a16:rowId xmlns:a16="http://schemas.microsoft.com/office/drawing/2014/main" xmlns="" val="10007"/>
                   </a:ext>
                 </a:extLst>
               </a:tr>
@@ -10470,7 +9912,7 @@
                 </a:tc>
                 <a:extLst>
                   <a:ext uri="{0D108BD9-81ED-4DB2-BD59-A6C34878D82A}">
-                    <a16:rowId xmlns:a16="http://schemas.microsoft.com/office/drawing/2014/main" val="10008"/>
+                    <a16:rowId xmlns:a16="http://schemas.microsoft.com/office/drawing/2014/main" xmlns="" val="10008"/>
                   </a:ext>
                 </a:extLst>
               </a:tr>
@@ -10504,7 +9946,7 @@
                 </a:tc>
                 <a:extLst>
                   <a:ext uri="{0D108BD9-81ED-4DB2-BD59-A6C34878D82A}">
-                    <a16:rowId xmlns:a16="http://schemas.microsoft.com/office/drawing/2014/main" val="10009"/>
+                    <a16:rowId xmlns:a16="http://schemas.microsoft.com/office/drawing/2014/main" xmlns="" val="10009"/>
                   </a:ext>
                 </a:extLst>
               </a:tr>
